--- a/Unit 11/FLS/FLS ASSIGNMENT UNIT 11 Ver 3.pptx
+++ b/Unit 11/FLS/FLS ASSIGNMENT UNIT 11 Ver 3.pptx
@@ -5,7 +5,7 @@
     <p:sldMasterId id="2147483693" r:id="rId1"/>
   </p:sldMasterIdLst>
   <p:notesMasterIdLst>
-    <p:notesMasterId r:id="rId21"/>
+    <p:notesMasterId r:id="rId22"/>
   </p:notesMasterIdLst>
   <p:sldIdLst>
     <p:sldId id="270" r:id="rId2"/>
@@ -19,19 +19,20 @@
     <p:sldId id="314" r:id="rId10"/>
     <p:sldId id="420" r:id="rId11"/>
     <p:sldId id="422" r:id="rId12"/>
-    <p:sldId id="423" r:id="rId13"/>
-    <p:sldId id="421" r:id="rId14"/>
-    <p:sldId id="418" r:id="rId15"/>
-    <p:sldId id="264" r:id="rId16"/>
-    <p:sldId id="419" r:id="rId17"/>
-    <p:sldId id="334" r:id="rId18"/>
-    <p:sldId id="336" r:id="rId19"/>
-    <p:sldId id="413" r:id="rId20"/>
+    <p:sldId id="428" r:id="rId13"/>
+    <p:sldId id="435" r:id="rId14"/>
+    <p:sldId id="421" r:id="rId15"/>
+    <p:sldId id="418" r:id="rId16"/>
+    <p:sldId id="264" r:id="rId17"/>
+    <p:sldId id="419" r:id="rId18"/>
+    <p:sldId id="334" r:id="rId19"/>
+    <p:sldId id="336" r:id="rId20"/>
+    <p:sldId id="413" r:id="rId21"/>
   </p:sldIdLst>
   <p:sldSz cx="12192000" cy="6858000"/>
   <p:notesSz cx="6858000" cy="9144000"/>
   <p:custDataLst>
-    <p:tags r:id="rId22"/>
+    <p:tags r:id="rId23"/>
   </p:custDataLst>
   <p:defaultTextStyle>
     <a:defPPr>
@@ -262,7 +263,7 @@
           <a:p>
             <a:fld id="{28570D6A-FB49-A14C-9B03-21B3417100CD}" type="datetimeFigureOut">
               <a:rPr lang="en-US" smtClean="0"/>
-              <a:t>11/4/21</a:t>
+              <a:t>11/1/23</a:t>
             </a:fld>
             <a:endParaRPr lang="en-US" dirty="0"/>
           </a:p>
@@ -3068,7 +3069,7 @@
           <a:p>
             <a:r>
               <a:rPr lang="en-US" dirty="0"/>
-              <a:t>Infant Mortality versus GDP: R Code</a:t>
+              <a:t>OLD: Infant Mortality versus GDP: R Code</a:t>
             </a:r>
           </a:p>
         </p:txBody>
@@ -3088,7 +3089,7 @@
         <p:spPr>
           <a:xfrm>
             <a:off x="1752600" y="2286000"/>
-            <a:ext cx="8686800" cy="2862322"/>
+            <a:ext cx="8686800" cy="3139321"/>
           </a:xfrm>
           <a:prstGeom prst="rect">
             <a:avLst/>
@@ -3101,6 +3102,16 @@
           <a:lstStyle/>
           <a:p>
             <a:r>
+              <a:rPr lang="en-US" dirty="0" err="1"/>
+              <a:t>install.packages</a:t>
+            </a:r>
+            <a:r>
+              <a:rPr lang="en-US" dirty="0"/>
+              <a:t>(“WDI”)</a:t>
+            </a:r>
+          </a:p>
+          <a:p>
+            <a:r>
               <a:rPr lang="en-US" dirty="0"/>
               <a:t>library(</a:t>
             </a:r>
@@ -3239,13 +3250,49 @@
               <a:t>InfantVGDP</a:t>
             </a:r>
             <a:endParaRPr lang="en-US" dirty="0"/>
+          </a:p>
+        </p:txBody>
+      </p:sp>
+      <p:sp>
+        <p:nvSpPr>
+          <p:cNvPr id="3" name="TextBox 2">
+            <a:extLst>
+              <a:ext uri="{FF2B5EF4-FFF2-40B4-BE49-F238E27FC236}">
+                <a16:creationId xmlns:a16="http://schemas.microsoft.com/office/drawing/2014/main" id="{80AF3D4C-4238-577E-2B6A-6C79D2C0C4F0}"/>
+              </a:ext>
+            </a:extLst>
+          </p:cNvPr>
+          <p:cNvSpPr txBox="1"/>
+          <p:nvPr/>
+        </p:nvSpPr>
+        <p:spPr>
+          <a:xfrm>
+            <a:off x="3619500" y="1452163"/>
+            <a:ext cx="4953000" cy="584775"/>
+          </a:xfrm>
+          <a:prstGeom prst="rect">
+            <a:avLst/>
+          </a:prstGeom>
+          <a:noFill/>
+        </p:spPr>
+        <p:txBody>
+          <a:bodyPr wrap="square" rtlCol="0">
+            <a:spAutoFit/>
+          </a:bodyPr>
+          <a:lstStyle/>
+          <a:p>
+            <a:pPr algn="ctr"/>
+            <a:r>
+              <a:rPr lang="en-US" sz="3200" dirty="0"/>
+              <a:t>What is the problem?</a:t>
+            </a:r>
           </a:p>
         </p:txBody>
       </p:sp>
     </p:spTree>
     <p:extLst>
       <p:ext uri="{BB962C8B-B14F-4D97-AF65-F5344CB8AC3E}">
-        <p14:creationId xmlns:p14="http://schemas.microsoft.com/office/powerpoint/2010/main" val="3292332458"/>
+        <p14:creationId xmlns:p14="http://schemas.microsoft.com/office/powerpoint/2010/main" val="3634144771"/>
       </p:ext>
     </p:extLst>
   </p:cSld>
@@ -3277,7 +3324,7 @@
           <p:cNvPr id="2" name="Title 1">
             <a:extLst>
               <a:ext uri="{FF2B5EF4-FFF2-40B4-BE49-F238E27FC236}">
-                <a16:creationId xmlns:a16="http://schemas.microsoft.com/office/drawing/2014/main" id="{23671CA3-E6C0-334A-B7F9-38C1DD8918B0}"/>
+                <a16:creationId xmlns:a16="http://schemas.microsoft.com/office/drawing/2014/main" id="{7E1894F9-029A-7971-FE31-BB4A66B27393}"/>
               </a:ext>
             </a:extLst>
           </p:cNvPr>
@@ -3288,19 +3335,232 @@
             <p:ph type="title"/>
           </p:nvPr>
         </p:nvSpPr>
-        <p:spPr>
-          <a:xfrm>
-            <a:off x="609600" y="2438400"/>
-            <a:ext cx="10972800" cy="1143000"/>
-          </a:xfrm>
-        </p:spPr>
+        <p:spPr/>
         <p:txBody>
           <a:bodyPr/>
           <a:lstStyle/>
           <a:p>
             <a:r>
               <a:rPr lang="en-US" dirty="0"/>
-              <a:t>End Question 1</a:t>
+              <a:t>New: Infant Mortality versus GDP: R Code</a:t>
+            </a:r>
+          </a:p>
+        </p:txBody>
+      </p:sp>
+      <p:sp>
+        <p:nvSpPr>
+          <p:cNvPr id="5" name="TextBox 4">
+            <a:extLst>
+              <a:ext uri="{FF2B5EF4-FFF2-40B4-BE49-F238E27FC236}">
+                <a16:creationId xmlns:a16="http://schemas.microsoft.com/office/drawing/2014/main" id="{9D66352F-6351-D2B0-3B4D-4E81B7EDB49C}"/>
+              </a:ext>
+            </a:extLst>
+          </p:cNvPr>
+          <p:cNvSpPr txBox="1"/>
+          <p:nvPr/>
+        </p:nvSpPr>
+        <p:spPr>
+          <a:xfrm>
+            <a:off x="1676400" y="2362200"/>
+            <a:ext cx="9601200" cy="2862322"/>
+          </a:xfrm>
+          <a:prstGeom prst="rect">
+            <a:avLst/>
+          </a:prstGeom>
+          <a:noFill/>
+        </p:spPr>
+        <p:txBody>
+          <a:bodyPr wrap="square">
+            <a:spAutoFit/>
+          </a:bodyPr>
+          <a:lstStyle/>
+          <a:p>
+            <a:r>
+              <a:rPr lang="en-US" dirty="0" err="1"/>
+              <a:t>install.packages</a:t>
+            </a:r>
+            <a:r>
+              <a:rPr lang="en-US" dirty="0"/>
+              <a:t>("WDI")</a:t>
+            </a:r>
+          </a:p>
+          <a:p>
+            <a:r>
+              <a:rPr lang="en-US" dirty="0"/>
+              <a:t>library(WDI)</a:t>
+            </a:r>
+          </a:p>
+          <a:p>
+            <a:r>
+              <a:rPr lang="en-US" dirty="0" err="1"/>
+              <a:t>WDIsearch</a:t>
+            </a:r>
+            <a:r>
+              <a:rPr lang="en-US" dirty="0"/>
+              <a:t>("infant") # yields the indicator: SP.DYN.IMRT.IN</a:t>
+            </a:r>
+          </a:p>
+          <a:p>
+            <a:r>
+              <a:rPr lang="en-US" dirty="0" err="1"/>
+              <a:t>WDIsearch</a:t>
+            </a:r>
+            <a:r>
+              <a:rPr lang="en-US" dirty="0"/>
+              <a:t>("GDP") # yields the indicator: NY.GDP.PCAP.CD</a:t>
+            </a:r>
+          </a:p>
+          <a:p>
+            <a:r>
+              <a:rPr lang="en-US" dirty="0" err="1"/>
+              <a:t>InfantMort</a:t>
+            </a:r>
+            <a:r>
+              <a:rPr lang="en-US" dirty="0"/>
+              <a:t> = WDI(,"</a:t>
+            </a:r>
+            <a:r>
+              <a:rPr lang="en-US" dirty="0" err="1"/>
+              <a:t>SP.DYN.IMRT.IN",start</a:t>
+            </a:r>
+            <a:r>
+              <a:rPr lang="en-US" dirty="0"/>
+              <a:t> = 2019, end = 2019)</a:t>
+            </a:r>
+          </a:p>
+          <a:p>
+            <a:r>
+              <a:rPr lang="en-US" dirty="0"/>
+              <a:t>GDPs = WDI(,"</a:t>
+            </a:r>
+            <a:r>
+              <a:rPr lang="en-US" dirty="0" err="1"/>
+              <a:t>NY.GDP.PCAP.CD",start</a:t>
+            </a:r>
+            <a:r>
+              <a:rPr lang="en-US" dirty="0"/>
+              <a:t> = 2019, end = 2019)</a:t>
+            </a:r>
+          </a:p>
+          <a:p>
+            <a:r>
+              <a:rPr lang="en-US" dirty="0" err="1"/>
+              <a:t>InfantVGDP</a:t>
+            </a:r>
+            <a:r>
+              <a:rPr lang="en-US" dirty="0"/>
+              <a:t> = </a:t>
+            </a:r>
+            <a:r>
+              <a:rPr lang="en-US" dirty="0" err="1"/>
+              <a:t>inner_join</a:t>
+            </a:r>
+            <a:r>
+              <a:rPr lang="en-US" dirty="0"/>
+              <a:t>(</a:t>
+            </a:r>
+            <a:r>
+              <a:rPr lang="en-US" dirty="0" err="1"/>
+              <a:t>GDPs,InfantMort</a:t>
+            </a:r>
+            <a:r>
+              <a:rPr lang="en-US" dirty="0"/>
+              <a:t>, "country")</a:t>
+            </a:r>
+          </a:p>
+          <a:p>
+            <a:r>
+              <a:rPr lang="en-US" dirty="0" err="1"/>
+              <a:t>InfantVGDP</a:t>
+            </a:r>
+            <a:r>
+              <a:rPr lang="en-US" dirty="0"/>
+              <a:t> = </a:t>
+            </a:r>
+            <a:r>
+              <a:rPr lang="en-US" dirty="0" err="1"/>
+              <a:t>InfantVGDP</a:t>
+            </a:r>
+            <a:r>
+              <a:rPr lang="en-US" dirty="0"/>
+              <a:t> %&gt;% select("</a:t>
+            </a:r>
+            <a:r>
+              <a:rPr lang="en-US" dirty="0" err="1"/>
+              <a:t>country","NY.GDP.PCAP.CD","SP.DYN.IMRT.IN</a:t>
+            </a:r>
+            <a:r>
+              <a:rPr lang="en-US" dirty="0"/>
+              <a:t>")</a:t>
+            </a:r>
+          </a:p>
+          <a:p>
+            <a:r>
+              <a:rPr lang="en-US" dirty="0" err="1"/>
+              <a:t>colnames</a:t>
+            </a:r>
+            <a:r>
+              <a:rPr lang="en-US" dirty="0"/>
+              <a:t>(</a:t>
+            </a:r>
+            <a:r>
+              <a:rPr lang="en-US" dirty="0" err="1"/>
+              <a:t>InfantVGDP</a:t>
+            </a:r>
+            <a:r>
+              <a:rPr lang="en-US" dirty="0"/>
+              <a:t>) = c("country","GDP","</a:t>
+            </a:r>
+            <a:r>
+              <a:rPr lang="en-US" dirty="0" err="1"/>
+              <a:t>InfantMort</a:t>
+            </a:r>
+            <a:r>
+              <a:rPr lang="en-US" dirty="0"/>
+              <a:t>")</a:t>
+            </a:r>
+          </a:p>
+          <a:p>
+            <a:r>
+              <a:rPr lang="en-US" dirty="0" err="1"/>
+              <a:t>InfantVGDP</a:t>
+            </a:r>
+            <a:endParaRPr lang="en-US" dirty="0"/>
+          </a:p>
+        </p:txBody>
+      </p:sp>
+      <p:sp>
+        <p:nvSpPr>
+          <p:cNvPr id="6" name="TextBox 5">
+            <a:extLst>
+              <a:ext uri="{FF2B5EF4-FFF2-40B4-BE49-F238E27FC236}">
+                <a16:creationId xmlns:a16="http://schemas.microsoft.com/office/drawing/2014/main" id="{DB818B49-FADA-FB15-3922-978682A5897C}"/>
+              </a:ext>
+            </a:extLst>
+          </p:cNvPr>
+          <p:cNvSpPr txBox="1"/>
+          <p:nvPr/>
+        </p:nvSpPr>
+        <p:spPr>
+          <a:xfrm>
+            <a:off x="3619500" y="1452163"/>
+            <a:ext cx="4953000" cy="584775"/>
+          </a:xfrm>
+          <a:prstGeom prst="rect">
+            <a:avLst/>
+          </a:prstGeom>
+          <a:noFill/>
+        </p:spPr>
+        <p:txBody>
+          <a:bodyPr wrap="square" rtlCol="0">
+            <a:spAutoFit/>
+          </a:bodyPr>
+          <a:lstStyle/>
+          <a:p>
+            <a:pPr algn="ctr"/>
+            <a:r>
+              <a:rPr lang="en-US" sz="3200" dirty="0"/>
+              <a:t>What is the fix?</a:t>
             </a:r>
           </a:p>
         </p:txBody>
@@ -3308,7 +3568,7 @@
     </p:spTree>
     <p:extLst>
       <p:ext uri="{BB962C8B-B14F-4D97-AF65-F5344CB8AC3E}">
-        <p14:creationId xmlns:p14="http://schemas.microsoft.com/office/powerpoint/2010/main" val="3159243200"/>
+        <p14:creationId xmlns:p14="http://schemas.microsoft.com/office/powerpoint/2010/main" val="1641965943"/>
       </p:ext>
     </p:extLst>
   </p:cSld>
@@ -3363,6 +3623,69 @@
           <a:p>
             <a:r>
               <a:rPr lang="en-US" dirty="0"/>
+              <a:t>End Question 1</a:t>
+            </a:r>
+          </a:p>
+        </p:txBody>
+      </p:sp>
+    </p:spTree>
+    <p:extLst>
+      <p:ext uri="{BB962C8B-B14F-4D97-AF65-F5344CB8AC3E}">
+        <p14:creationId xmlns:p14="http://schemas.microsoft.com/office/powerpoint/2010/main" val="3159243200"/>
+      </p:ext>
+    </p:extLst>
+  </p:cSld>
+  <p:clrMapOvr>
+    <a:masterClrMapping/>
+  </p:clrMapOvr>
+</p:sld>
+</file>
+
+<file path=ppt/slides/slide15.xml><?xml version="1.0" encoding="utf-8"?>
+<p:sld xmlns:a="http://schemas.openxmlformats.org/drawingml/2006/main" xmlns:r="http://schemas.openxmlformats.org/officeDocument/2006/relationships" xmlns:p="http://schemas.openxmlformats.org/presentationml/2006/main">
+  <p:cSld>
+    <p:spTree>
+      <p:nvGrpSpPr>
+        <p:cNvPr id="1" name=""/>
+        <p:cNvGrpSpPr/>
+        <p:nvPr/>
+      </p:nvGrpSpPr>
+      <p:grpSpPr>
+        <a:xfrm>
+          <a:off x="0" y="0"/>
+          <a:ext cx="0" cy="0"/>
+          <a:chOff x="0" y="0"/>
+          <a:chExt cx="0" cy="0"/>
+        </a:xfrm>
+      </p:grpSpPr>
+      <p:sp>
+        <p:nvSpPr>
+          <p:cNvPr id="2" name="Title 1">
+            <a:extLst>
+              <a:ext uri="{FF2B5EF4-FFF2-40B4-BE49-F238E27FC236}">
+                <a16:creationId xmlns:a16="http://schemas.microsoft.com/office/drawing/2014/main" id="{23671CA3-E6C0-334A-B7F9-38C1DD8918B0}"/>
+              </a:ext>
+            </a:extLst>
+          </p:cNvPr>
+          <p:cNvSpPr>
+            <a:spLocks noGrp="1"/>
+          </p:cNvSpPr>
+          <p:nvPr>
+            <p:ph type="title"/>
+          </p:nvPr>
+        </p:nvSpPr>
+        <p:spPr>
+          <a:xfrm>
+            <a:off x="609600" y="2438400"/>
+            <a:ext cx="10972800" cy="1143000"/>
+          </a:xfrm>
+        </p:spPr>
+        <p:txBody>
+          <a:bodyPr/>
+          <a:lstStyle/>
+          <a:p>
+            <a:r>
+              <a:rPr lang="en-US" dirty="0"/>
               <a:t>Question 2</a:t>
             </a:r>
           </a:p>
@@ -3381,7 +3704,7 @@
 </p:sld>
 </file>
 
-<file path=ppt/slides/slide15.xml><?xml version="1.0" encoding="utf-8"?>
+<file path=ppt/slides/slide16.xml><?xml version="1.0" encoding="utf-8"?>
 <p:sld xmlns:a="http://schemas.openxmlformats.org/drawingml/2006/main" xmlns:r="http://schemas.openxmlformats.org/officeDocument/2006/relationships" xmlns:p="http://schemas.openxmlformats.org/presentationml/2006/main">
   <p:cSld>
     <p:spTree>
@@ -4883,7 +5206,7 @@
 </p:sld>
 </file>
 
-<file path=ppt/slides/slide16.xml><?xml version="1.0" encoding="utf-8"?>
+<file path=ppt/slides/slide17.xml><?xml version="1.0" encoding="utf-8"?>
 <p:sld xmlns:a="http://schemas.openxmlformats.org/drawingml/2006/main" xmlns:r="http://schemas.openxmlformats.org/officeDocument/2006/relationships" xmlns:p="http://schemas.openxmlformats.org/presentationml/2006/main">
   <p:cSld>
     <p:spTree>
@@ -4937,135 +5260,6 @@
     <p:extLst>
       <p:ext uri="{BB962C8B-B14F-4D97-AF65-F5344CB8AC3E}">
         <p14:creationId xmlns:p14="http://schemas.microsoft.com/office/powerpoint/2010/main" val="3088411667"/>
-      </p:ext>
-    </p:extLst>
-  </p:cSld>
-  <p:clrMapOvr>
-    <a:masterClrMapping/>
-  </p:clrMapOvr>
-</p:sld>
-</file>
-
-<file path=ppt/slides/slide17.xml><?xml version="1.0" encoding="utf-8"?>
-<p:sld xmlns:a="http://schemas.openxmlformats.org/drawingml/2006/main" xmlns:r="http://schemas.openxmlformats.org/officeDocument/2006/relationships" xmlns:p="http://schemas.openxmlformats.org/presentationml/2006/main">
-  <p:cSld>
-    <p:spTree>
-      <p:nvGrpSpPr>
-        <p:cNvPr id="1" name=""/>
-        <p:cNvGrpSpPr/>
-        <p:nvPr/>
-      </p:nvGrpSpPr>
-      <p:grpSpPr>
-        <a:xfrm>
-          <a:off x="0" y="0"/>
-          <a:ext cx="0" cy="0"/>
-          <a:chOff x="0" y="0"/>
-          <a:chExt cx="0" cy="0"/>
-        </a:xfrm>
-      </p:grpSpPr>
-      <p:sp>
-        <p:nvSpPr>
-          <p:cNvPr id="2" name="Title 1">
-            <a:extLst>
-              <a:ext uri="{FF2B5EF4-FFF2-40B4-BE49-F238E27FC236}">
-                <a16:creationId xmlns:a16="http://schemas.microsoft.com/office/drawing/2014/main" id="{78576CAF-641E-A545-AB1E-A0BE7A1FF036}"/>
-              </a:ext>
-            </a:extLst>
-          </p:cNvPr>
-          <p:cNvSpPr>
-            <a:spLocks noGrp="1"/>
-          </p:cNvSpPr>
-          <p:nvPr>
-            <p:ph type="title"/>
-          </p:nvPr>
-        </p:nvSpPr>
-        <p:spPr/>
-        <p:txBody>
-          <a:bodyPr/>
-          <a:lstStyle/>
-          <a:p>
-            <a:pPr algn="l"/>
-            <a:r>
-              <a:rPr lang="en-US" dirty="0"/>
-              <a:t>Question 2: Takeaways!</a:t>
-            </a:r>
-          </a:p>
-        </p:txBody>
-      </p:sp>
-      <p:sp>
-        <p:nvSpPr>
-          <p:cNvPr id="3" name="Content Placeholder 2">
-            <a:extLst>
-              <a:ext uri="{FF2B5EF4-FFF2-40B4-BE49-F238E27FC236}">
-                <a16:creationId xmlns:a16="http://schemas.microsoft.com/office/drawing/2014/main" id="{1E3CA146-5F00-F544-97FC-4BDA5AA35C64}"/>
-              </a:ext>
-            </a:extLst>
-          </p:cNvPr>
-          <p:cNvSpPr>
-            <a:spLocks noGrp="1"/>
-          </p:cNvSpPr>
-          <p:nvPr>
-            <p:ph idx="1"/>
-          </p:nvPr>
-        </p:nvSpPr>
-        <p:spPr>
-          <a:xfrm>
-            <a:off x="533400" y="1825625"/>
-            <a:ext cx="9657945" cy="4351338"/>
-          </a:xfrm>
-        </p:spPr>
-        <p:txBody>
-          <a:bodyPr>
-            <a:normAutofit fontScale="92500" lnSpcReduction="10000"/>
-          </a:bodyPr>
-          <a:lstStyle/>
-          <a:p>
-            <a:pPr marL="0" indent="0">
-              <a:buNone/>
-            </a:pPr>
-            <a:r>
-              <a:rPr lang="en-US" dirty="0"/>
-              <a:t>Please provide at least 4 takeaways from this section and any questions that you may have.  These questions will help design the live session for this unit.</a:t>
-            </a:r>
-          </a:p>
-          <a:p>
-            <a:pPr marL="0" indent="0">
-              <a:buNone/>
-            </a:pPr>
-            <a:r>
-              <a:rPr lang="en-US" dirty="0"/>
-              <a:t> </a:t>
-            </a:r>
-          </a:p>
-          <a:p>
-            <a:pPr marL="0" indent="0">
-              <a:buNone/>
-            </a:pPr>
-            <a:r>
-              <a:rPr lang="en-US" sz="2000" i="1" dirty="0"/>
-              <a:t>This question will be the last question of every For Live Session Assignment. The idea is that this deck will serve as a document that you can reference in the future to remember what was covered in this section.  For instance, this may come in handy for the Capstone and will hopefully become useful in your career.  Most immediately, it may become handy as a quick reference for your Midterm and Final!  Some students find it very useful and spend a few slides summarizing the </a:t>
-            </a:r>
-            <a:r>
-              <a:rPr lang="en-US" sz="2000" i="1" dirty="0" err="1"/>
-              <a:t>asynch</a:t>
-            </a:r>
-            <a:r>
-              <a:rPr lang="en-US" sz="2000" i="1" dirty="0"/>
-              <a:t> material while others learn different ways and only had the minimum 4 takeaways.  Either is fine and will earn you full credit for this question.  </a:t>
-            </a:r>
-          </a:p>
-          <a:p>
-            <a:pPr marL="0" indent="0">
-              <a:buNone/>
-            </a:pPr>
-            <a:endParaRPr lang="en-US" dirty="0"/>
-          </a:p>
-        </p:txBody>
-      </p:sp>
-    </p:spTree>
-    <p:extLst>
-      <p:ext uri="{BB962C8B-B14F-4D97-AF65-F5344CB8AC3E}">
-        <p14:creationId xmlns:p14="http://schemas.microsoft.com/office/powerpoint/2010/main" val="2751418390"/>
       </p:ext>
     </p:extLst>
   </p:cSld>
@@ -5116,6 +5310,135 @@
             <a:pPr algn="l"/>
             <a:r>
               <a:rPr lang="en-US" dirty="0"/>
+              <a:t>Question 2: Takeaways!</a:t>
+            </a:r>
+          </a:p>
+        </p:txBody>
+      </p:sp>
+      <p:sp>
+        <p:nvSpPr>
+          <p:cNvPr id="3" name="Content Placeholder 2">
+            <a:extLst>
+              <a:ext uri="{FF2B5EF4-FFF2-40B4-BE49-F238E27FC236}">
+                <a16:creationId xmlns:a16="http://schemas.microsoft.com/office/drawing/2014/main" id="{1E3CA146-5F00-F544-97FC-4BDA5AA35C64}"/>
+              </a:ext>
+            </a:extLst>
+          </p:cNvPr>
+          <p:cNvSpPr>
+            <a:spLocks noGrp="1"/>
+          </p:cNvSpPr>
+          <p:nvPr>
+            <p:ph idx="1"/>
+          </p:nvPr>
+        </p:nvSpPr>
+        <p:spPr>
+          <a:xfrm>
+            <a:off x="533400" y="1825625"/>
+            <a:ext cx="9657945" cy="4351338"/>
+          </a:xfrm>
+        </p:spPr>
+        <p:txBody>
+          <a:bodyPr>
+            <a:normAutofit fontScale="92500" lnSpcReduction="10000"/>
+          </a:bodyPr>
+          <a:lstStyle/>
+          <a:p>
+            <a:pPr marL="0" indent="0">
+              <a:buNone/>
+            </a:pPr>
+            <a:r>
+              <a:rPr lang="en-US" dirty="0"/>
+              <a:t>Please provide at least 4 takeaways from this section and any questions that you may have.  These questions will help design the live session for this unit.</a:t>
+            </a:r>
+          </a:p>
+          <a:p>
+            <a:pPr marL="0" indent="0">
+              <a:buNone/>
+            </a:pPr>
+            <a:r>
+              <a:rPr lang="en-US" dirty="0"/>
+              <a:t> </a:t>
+            </a:r>
+          </a:p>
+          <a:p>
+            <a:pPr marL="0" indent="0">
+              <a:buNone/>
+            </a:pPr>
+            <a:r>
+              <a:rPr lang="en-US" sz="2000" i="1" dirty="0"/>
+              <a:t>This question will be the last question of every For Live Session Assignment. The idea is that this deck will serve as a document that you can reference in the future to remember what was covered in this section.  For instance, this may come in handy for the Capstone and will hopefully become useful in your career.  Most immediately, it may become handy as a quick reference for your Midterm and Final!  Some students find it very useful and spend a few slides summarizing the </a:t>
+            </a:r>
+            <a:r>
+              <a:rPr lang="en-US" sz="2000" i="1" dirty="0" err="1"/>
+              <a:t>asynch</a:t>
+            </a:r>
+            <a:r>
+              <a:rPr lang="en-US" sz="2000" i="1" dirty="0"/>
+              <a:t> material while others learn different ways and only had the minimum 4 takeaways.  Either is fine and will earn you full credit for this question.  </a:t>
+            </a:r>
+          </a:p>
+          <a:p>
+            <a:pPr marL="0" indent="0">
+              <a:buNone/>
+            </a:pPr>
+            <a:endParaRPr lang="en-US" dirty="0"/>
+          </a:p>
+        </p:txBody>
+      </p:sp>
+    </p:spTree>
+    <p:extLst>
+      <p:ext uri="{BB962C8B-B14F-4D97-AF65-F5344CB8AC3E}">
+        <p14:creationId xmlns:p14="http://schemas.microsoft.com/office/powerpoint/2010/main" val="2751418390"/>
+      </p:ext>
+    </p:extLst>
+  </p:cSld>
+  <p:clrMapOvr>
+    <a:masterClrMapping/>
+  </p:clrMapOvr>
+</p:sld>
+</file>
+
+<file path=ppt/slides/slide19.xml><?xml version="1.0" encoding="utf-8"?>
+<p:sld xmlns:a="http://schemas.openxmlformats.org/drawingml/2006/main" xmlns:r="http://schemas.openxmlformats.org/officeDocument/2006/relationships" xmlns:p="http://schemas.openxmlformats.org/presentationml/2006/main">
+  <p:cSld>
+    <p:spTree>
+      <p:nvGrpSpPr>
+        <p:cNvPr id="1" name=""/>
+        <p:cNvGrpSpPr/>
+        <p:nvPr/>
+      </p:nvGrpSpPr>
+      <p:grpSpPr>
+        <a:xfrm>
+          <a:off x="0" y="0"/>
+          <a:ext cx="0" cy="0"/>
+          <a:chOff x="0" y="0"/>
+          <a:chExt cx="0" cy="0"/>
+        </a:xfrm>
+      </p:grpSpPr>
+      <p:sp>
+        <p:nvSpPr>
+          <p:cNvPr id="2" name="Title 1">
+            <a:extLst>
+              <a:ext uri="{FF2B5EF4-FFF2-40B4-BE49-F238E27FC236}">
+                <a16:creationId xmlns:a16="http://schemas.microsoft.com/office/drawing/2014/main" id="{78576CAF-641E-A545-AB1E-A0BE7A1FF036}"/>
+              </a:ext>
+            </a:extLst>
+          </p:cNvPr>
+          <p:cNvSpPr>
+            <a:spLocks noGrp="1"/>
+          </p:cNvSpPr>
+          <p:nvPr>
+            <p:ph type="title"/>
+          </p:nvPr>
+        </p:nvSpPr>
+        <p:spPr/>
+        <p:txBody>
+          <a:bodyPr/>
+          <a:lstStyle/>
+          <a:p>
+            <a:pPr algn="l"/>
+            <a:r>
+              <a:rPr lang="en-US" dirty="0"/>
               <a:t>Question 3: Questions!</a:t>
             </a:r>
           </a:p>
@@ -5204,7 +5527,71 @@
 </p:sld>
 </file>
 
-<file path=ppt/slides/slide19.xml><?xml version="1.0" encoding="utf-8"?>
+<file path=ppt/slides/slide2.xml><?xml version="1.0" encoding="utf-8"?>
+<p:sld xmlns:a="http://schemas.openxmlformats.org/drawingml/2006/main" xmlns:r="http://schemas.openxmlformats.org/officeDocument/2006/relationships" xmlns:p="http://schemas.openxmlformats.org/presentationml/2006/main">
+  <p:cSld>
+    <p:spTree>
+      <p:nvGrpSpPr>
+        <p:cNvPr id="1" name=""/>
+        <p:cNvGrpSpPr/>
+        <p:nvPr/>
+      </p:nvGrpSpPr>
+      <p:grpSpPr>
+        <a:xfrm>
+          <a:off x="0" y="0"/>
+          <a:ext cx="0" cy="0"/>
+          <a:chOff x="0" y="0"/>
+          <a:chExt cx="0" cy="0"/>
+        </a:xfrm>
+      </p:grpSpPr>
+      <p:sp>
+        <p:nvSpPr>
+          <p:cNvPr id="2" name="Title 1">
+            <a:extLst>
+              <a:ext uri="{FF2B5EF4-FFF2-40B4-BE49-F238E27FC236}">
+                <a16:creationId xmlns:a16="http://schemas.microsoft.com/office/drawing/2014/main" id="{3253CB44-D49E-8B46-A0E0-78F6306384A6}"/>
+              </a:ext>
+            </a:extLst>
+          </p:cNvPr>
+          <p:cNvSpPr>
+            <a:spLocks noGrp="1"/>
+          </p:cNvSpPr>
+          <p:nvPr>
+            <p:ph type="title"/>
+          </p:nvPr>
+        </p:nvSpPr>
+        <p:spPr>
+          <a:xfrm>
+            <a:off x="838200" y="2680308"/>
+            <a:ext cx="10515600" cy="1325563"/>
+          </a:xfrm>
+        </p:spPr>
+        <p:txBody>
+          <a:bodyPr/>
+          <a:lstStyle/>
+          <a:p>
+            <a:pPr algn="ctr"/>
+            <a:r>
+              <a:rPr lang="en-US" dirty="0"/>
+              <a:t>Quick Quiz Questions</a:t>
+            </a:r>
+          </a:p>
+        </p:txBody>
+      </p:sp>
+    </p:spTree>
+    <p:extLst>
+      <p:ext uri="{BB962C8B-B14F-4D97-AF65-F5344CB8AC3E}">
+        <p14:creationId xmlns:p14="http://schemas.microsoft.com/office/powerpoint/2010/main" val="968806567"/>
+      </p:ext>
+    </p:extLst>
+  </p:cSld>
+  <p:clrMapOvr>
+    <a:masterClrMapping/>
+  </p:clrMapOvr>
+</p:sld>
+</file>
+
+<file path=ppt/slides/slide20.xml><?xml version="1.0" encoding="utf-8"?>
 <p:sld xmlns:a="http://schemas.openxmlformats.org/drawingml/2006/main" xmlns:r="http://schemas.openxmlformats.org/officeDocument/2006/relationships" xmlns:p="http://schemas.openxmlformats.org/presentationml/2006/main">
   <p:cSld>
     <p:spTree>
@@ -5386,7 +5773,7 @@
               <a:pPr>
                 <a:defRPr/>
               </a:pPr>
-              <a:t>19</a:t>
+              <a:t>20</a:t>
             </a:fld>
             <a:endParaRPr lang="en-US" altLang="en-US" dirty="0"/>
           </a:p>
@@ -5396,70 +5783,6 @@
     <p:extLst>
       <p:ext uri="{BB962C8B-B14F-4D97-AF65-F5344CB8AC3E}">
         <p14:creationId xmlns:p14="http://schemas.microsoft.com/office/powerpoint/2010/main" val="2935390525"/>
-      </p:ext>
-    </p:extLst>
-  </p:cSld>
-  <p:clrMapOvr>
-    <a:masterClrMapping/>
-  </p:clrMapOvr>
-</p:sld>
-</file>
-
-<file path=ppt/slides/slide2.xml><?xml version="1.0" encoding="utf-8"?>
-<p:sld xmlns:a="http://schemas.openxmlformats.org/drawingml/2006/main" xmlns:r="http://schemas.openxmlformats.org/officeDocument/2006/relationships" xmlns:p="http://schemas.openxmlformats.org/presentationml/2006/main">
-  <p:cSld>
-    <p:spTree>
-      <p:nvGrpSpPr>
-        <p:cNvPr id="1" name=""/>
-        <p:cNvGrpSpPr/>
-        <p:nvPr/>
-      </p:nvGrpSpPr>
-      <p:grpSpPr>
-        <a:xfrm>
-          <a:off x="0" y="0"/>
-          <a:ext cx="0" cy="0"/>
-          <a:chOff x="0" y="0"/>
-          <a:chExt cx="0" cy="0"/>
-        </a:xfrm>
-      </p:grpSpPr>
-      <p:sp>
-        <p:nvSpPr>
-          <p:cNvPr id="2" name="Title 1">
-            <a:extLst>
-              <a:ext uri="{FF2B5EF4-FFF2-40B4-BE49-F238E27FC236}">
-                <a16:creationId xmlns:a16="http://schemas.microsoft.com/office/drawing/2014/main" id="{3253CB44-D49E-8B46-A0E0-78F6306384A6}"/>
-              </a:ext>
-            </a:extLst>
-          </p:cNvPr>
-          <p:cNvSpPr>
-            <a:spLocks noGrp="1"/>
-          </p:cNvSpPr>
-          <p:nvPr>
-            <p:ph type="title"/>
-          </p:nvPr>
-        </p:nvSpPr>
-        <p:spPr>
-          <a:xfrm>
-            <a:off x="838200" y="2680308"/>
-            <a:ext cx="10515600" cy="1325563"/>
-          </a:xfrm>
-        </p:spPr>
-        <p:txBody>
-          <a:bodyPr/>
-          <a:lstStyle/>
-          <a:p>
-            <a:pPr algn="ctr"/>
-            <a:r>
-              <a:rPr lang="en-US" dirty="0"/>
-              <a:t>Quick Quiz Questions</a:t>
-            </a:r>
-          </a:p>
-        </p:txBody>
-      </p:sp>
-    </p:spTree>
-    <p:extLst>
-      <p:ext uri="{BB962C8B-B14F-4D97-AF65-F5344CB8AC3E}">
-        <p14:creationId xmlns:p14="http://schemas.microsoft.com/office/powerpoint/2010/main" val="968806567"/>
       </p:ext>
     </p:extLst>
   </p:cSld>
